--- a/SQL/DB모델링.pptx
+++ b/SQL/DB모델링.pptx
@@ -6,6 +6,7 @@
   </p:sldMasterIdLst>
   <p:sldIdLst>
     <p:sldId id="256" r:id="rId2"/>
+    <p:sldId id="257" r:id="rId3"/>
   </p:sldIdLst>
   <p:sldSz cx="9144000" cy="6858000" type="screen4x3"/>
   <p:notesSz cx="6858000" cy="9144000"/>
@@ -4783,6 +4784,2102 @@
     <p:extLst>
       <p:ext uri="{BB962C8B-B14F-4D97-AF65-F5344CB8AC3E}">
         <p14:creationId xmlns:p14="http://schemas.microsoft.com/office/powerpoint/2010/main" val="283884241"/>
+      </p:ext>
+    </p:extLst>
+  </p:cSld>
+  <p:clrMapOvr>
+    <a:masterClrMapping/>
+  </p:clrMapOvr>
+</p:sld>
+</file>
+
+<file path=ppt/slides/slide2.xml><?xml version="1.0" encoding="utf-8"?>
+<p:sld xmlns:a="http://schemas.openxmlformats.org/drawingml/2006/main" xmlns:r="http://schemas.openxmlformats.org/officeDocument/2006/relationships" xmlns:p="http://schemas.openxmlformats.org/presentationml/2006/main">
+  <p:cSld>
+    <p:spTree>
+      <p:nvGrpSpPr>
+        <p:cNvPr id="1" name=""/>
+        <p:cNvGrpSpPr/>
+        <p:nvPr/>
+      </p:nvGrpSpPr>
+      <p:grpSpPr>
+        <a:xfrm>
+          <a:off x="0" y="0"/>
+          <a:ext cx="0" cy="0"/>
+          <a:chOff x="0" y="0"/>
+          <a:chExt cx="0" cy="0"/>
+        </a:xfrm>
+      </p:grpSpPr>
+      <p:grpSp>
+        <p:nvGrpSpPr>
+          <p:cNvPr id="2" name="그룹 1"/>
+          <p:cNvGrpSpPr/>
+          <p:nvPr/>
+        </p:nvGrpSpPr>
+        <p:grpSpPr>
+          <a:xfrm>
+            <a:off x="-168410" y="1984719"/>
+            <a:ext cx="5583158" cy="4220468"/>
+            <a:chOff x="755576" y="1008732"/>
+            <a:chExt cx="7149365" cy="5404408"/>
+          </a:xfrm>
+        </p:grpSpPr>
+        <p:sp>
+          <p:nvSpPr>
+            <p:cNvPr id="39" name="직사각형 38"/>
+            <p:cNvSpPr/>
+            <p:nvPr/>
+          </p:nvSpPr>
+          <p:spPr>
+            <a:xfrm>
+              <a:off x="1115616" y="4837348"/>
+              <a:ext cx="1224136" cy="783704"/>
+            </a:xfrm>
+            <a:prstGeom prst="rect">
+              <a:avLst/>
+            </a:prstGeom>
+          </p:spPr>
+          <p:style>
+            <a:lnRef idx="2">
+              <a:schemeClr val="dk1"/>
+            </a:lnRef>
+            <a:fillRef idx="1">
+              <a:schemeClr val="lt1"/>
+            </a:fillRef>
+            <a:effectRef idx="0">
+              <a:schemeClr val="dk1"/>
+            </a:effectRef>
+            <a:fontRef idx="minor">
+              <a:schemeClr val="dk1"/>
+            </a:fontRef>
+          </p:style>
+          <p:txBody>
+            <a:bodyPr rtlCol="0" anchor="ctr"/>
+            <a:lstStyle/>
+            <a:p>
+              <a:pPr algn="ctr"/>
+              <a:endParaRPr lang="ko-KR" altLang="en-US" sz="1200" dirty="0"/>
+            </a:p>
+          </p:txBody>
+        </p:sp>
+        <p:sp>
+          <p:nvSpPr>
+            <p:cNvPr id="5" name="직사각형 4"/>
+            <p:cNvSpPr/>
+            <p:nvPr/>
+          </p:nvSpPr>
+          <p:spPr>
+            <a:xfrm>
+              <a:off x="2782202" y="3160536"/>
+              <a:ext cx="1080120" cy="576064"/>
+            </a:xfrm>
+            <a:prstGeom prst="rect">
+              <a:avLst/>
+            </a:prstGeom>
+          </p:spPr>
+          <p:style>
+            <a:lnRef idx="2">
+              <a:schemeClr val="dk1"/>
+            </a:lnRef>
+            <a:fillRef idx="1">
+              <a:schemeClr val="lt1"/>
+            </a:fillRef>
+            <a:effectRef idx="0">
+              <a:schemeClr val="dk1"/>
+            </a:effectRef>
+            <a:fontRef idx="minor">
+              <a:schemeClr val="dk1"/>
+            </a:fontRef>
+          </p:style>
+          <p:txBody>
+            <a:bodyPr rtlCol="0" anchor="ctr"/>
+            <a:lstStyle/>
+            <a:p>
+              <a:pPr algn="ctr"/>
+              <a:r>
+                <a:rPr lang="ko-KR" altLang="en-US" sz="1200" dirty="0" smtClean="0"/>
+                <a:t>영</a:t>
+              </a:r>
+              <a:r>
+                <a:rPr lang="ko-KR" altLang="en-US" sz="1200" dirty="0"/>
+                <a:t>화</a:t>
+              </a:r>
+            </a:p>
+          </p:txBody>
+        </p:sp>
+        <p:sp>
+          <p:nvSpPr>
+            <p:cNvPr id="6" name="직사각형 5"/>
+            <p:cNvSpPr/>
+            <p:nvPr/>
+          </p:nvSpPr>
+          <p:spPr>
+            <a:xfrm>
+              <a:off x="6014731" y="3160536"/>
+              <a:ext cx="1080120" cy="576064"/>
+            </a:xfrm>
+            <a:prstGeom prst="rect">
+              <a:avLst/>
+            </a:prstGeom>
+          </p:spPr>
+          <p:style>
+            <a:lnRef idx="2">
+              <a:schemeClr val="dk1"/>
+            </a:lnRef>
+            <a:fillRef idx="1">
+              <a:schemeClr val="lt1"/>
+            </a:fillRef>
+            <a:effectRef idx="0">
+              <a:schemeClr val="dk1"/>
+            </a:effectRef>
+            <a:fontRef idx="minor">
+              <a:schemeClr val="dk1"/>
+            </a:fontRef>
+          </p:style>
+          <p:txBody>
+            <a:bodyPr rtlCol="0" anchor="ctr"/>
+            <a:lstStyle/>
+            <a:p>
+              <a:pPr algn="ctr"/>
+              <a:r>
+                <a:rPr lang="ko-KR" altLang="en-US" sz="1200" dirty="0" smtClean="0"/>
+                <a:t>배우</a:t>
+              </a:r>
+              <a:endParaRPr lang="ko-KR" altLang="en-US" sz="1200" dirty="0"/>
+            </a:p>
+          </p:txBody>
+        </p:sp>
+        <p:sp>
+          <p:nvSpPr>
+            <p:cNvPr id="8" name="직사각형 7"/>
+            <p:cNvSpPr/>
+            <p:nvPr/>
+          </p:nvSpPr>
+          <p:spPr>
+            <a:xfrm>
+              <a:off x="1187624" y="4941168"/>
+              <a:ext cx="1080120" cy="576064"/>
+            </a:xfrm>
+            <a:prstGeom prst="rect">
+              <a:avLst/>
+            </a:prstGeom>
+          </p:spPr>
+          <p:style>
+            <a:lnRef idx="2">
+              <a:schemeClr val="dk1"/>
+            </a:lnRef>
+            <a:fillRef idx="1">
+              <a:schemeClr val="lt1"/>
+            </a:fillRef>
+            <a:effectRef idx="0">
+              <a:schemeClr val="dk1"/>
+            </a:effectRef>
+            <a:fontRef idx="minor">
+              <a:schemeClr val="dk1"/>
+            </a:fontRef>
+          </p:style>
+          <p:txBody>
+            <a:bodyPr rtlCol="0" anchor="ctr"/>
+            <a:lstStyle/>
+            <a:p>
+              <a:pPr algn="ctr"/>
+              <a:r>
+                <a:rPr lang="ko-KR" altLang="en-US" sz="1200" smtClean="0"/>
+                <a:t>컨텐츠</a:t>
+              </a:r>
+              <a:endParaRPr lang="ko-KR" altLang="en-US" sz="1200" dirty="0"/>
+            </a:p>
+          </p:txBody>
+        </p:sp>
+        <p:sp>
+          <p:nvSpPr>
+            <p:cNvPr id="9" name="직사각형 8"/>
+            <p:cNvSpPr/>
+            <p:nvPr/>
+          </p:nvSpPr>
+          <p:spPr>
+            <a:xfrm>
+              <a:off x="1093403" y="1193398"/>
+              <a:ext cx="1080120" cy="576064"/>
+            </a:xfrm>
+            <a:prstGeom prst="rect">
+              <a:avLst/>
+            </a:prstGeom>
+          </p:spPr>
+          <p:style>
+            <a:lnRef idx="2">
+              <a:schemeClr val="dk1"/>
+            </a:lnRef>
+            <a:fillRef idx="1">
+              <a:schemeClr val="lt1"/>
+            </a:fillRef>
+            <a:effectRef idx="0">
+              <a:schemeClr val="dk1"/>
+            </a:effectRef>
+            <a:fontRef idx="minor">
+              <a:schemeClr val="dk1"/>
+            </a:fontRef>
+          </p:style>
+          <p:txBody>
+            <a:bodyPr rtlCol="0" anchor="ctr"/>
+            <a:lstStyle/>
+            <a:p>
+              <a:pPr algn="ctr"/>
+              <a:r>
+                <a:rPr lang="ko-KR" altLang="en-US" sz="1100" dirty="0" smtClean="0"/>
+                <a:t>평점</a:t>
+              </a:r>
+              <a:r>
+                <a:rPr lang="en-US" altLang="ko-KR" sz="1100" dirty="0" smtClean="0"/>
+                <a:t>/</a:t>
+              </a:r>
+              <a:r>
+                <a:rPr lang="ko-KR" altLang="en-US" sz="1100" dirty="0" smtClean="0"/>
+                <a:t>리뷰</a:t>
+              </a:r>
+              <a:endParaRPr lang="ko-KR" altLang="en-US" sz="1100" dirty="0"/>
+            </a:p>
+          </p:txBody>
+        </p:sp>
+        <p:sp>
+          <p:nvSpPr>
+            <p:cNvPr id="11" name="직사각형 10"/>
+            <p:cNvSpPr/>
+            <p:nvPr/>
+          </p:nvSpPr>
+          <p:spPr>
+            <a:xfrm>
+              <a:off x="4521737" y="1193398"/>
+              <a:ext cx="1080120" cy="576064"/>
+            </a:xfrm>
+            <a:prstGeom prst="rect">
+              <a:avLst/>
+            </a:prstGeom>
+          </p:spPr>
+          <p:style>
+            <a:lnRef idx="2">
+              <a:schemeClr val="dk1"/>
+            </a:lnRef>
+            <a:fillRef idx="1">
+              <a:schemeClr val="lt1"/>
+            </a:fillRef>
+            <a:effectRef idx="0">
+              <a:schemeClr val="dk1"/>
+            </a:effectRef>
+            <a:fontRef idx="minor">
+              <a:schemeClr val="dk1"/>
+            </a:fontRef>
+          </p:style>
+          <p:txBody>
+            <a:bodyPr rtlCol="0" anchor="ctr"/>
+            <a:lstStyle/>
+            <a:p>
+              <a:pPr algn="ctr"/>
+              <a:r>
+                <a:rPr lang="ko-KR" altLang="en-US" sz="1200" dirty="0" smtClean="0"/>
+                <a:t>회원</a:t>
+              </a:r>
+              <a:endParaRPr lang="ko-KR" altLang="en-US" sz="1200" dirty="0"/>
+            </a:p>
+          </p:txBody>
+        </p:sp>
+        <p:sp>
+          <p:nvSpPr>
+            <p:cNvPr id="12" name="타원 11"/>
+            <p:cNvSpPr/>
+            <p:nvPr/>
+          </p:nvSpPr>
+          <p:spPr>
+            <a:xfrm>
+              <a:off x="3280403" y="4077072"/>
+              <a:ext cx="864096" cy="504056"/>
+            </a:xfrm>
+            <a:prstGeom prst="ellipse">
+              <a:avLst/>
+            </a:prstGeom>
+          </p:spPr>
+          <p:style>
+            <a:lnRef idx="2">
+              <a:schemeClr val="dk1"/>
+            </a:lnRef>
+            <a:fillRef idx="1">
+              <a:schemeClr val="lt1"/>
+            </a:fillRef>
+            <a:effectRef idx="0">
+              <a:schemeClr val="dk1"/>
+            </a:effectRef>
+            <a:fontRef idx="minor">
+              <a:schemeClr val="dk1"/>
+            </a:fontRef>
+          </p:style>
+          <p:txBody>
+            <a:bodyPr rtlCol="0" anchor="ctr"/>
+            <a:lstStyle/>
+            <a:p>
+              <a:pPr algn="ctr"/>
+              <a:r>
+                <a:rPr lang="ko-KR" altLang="en-US" sz="1000" u="sng" dirty="0" smtClean="0"/>
+                <a:t>영화코드</a:t>
+              </a:r>
+              <a:endParaRPr lang="ko-KR" altLang="en-US" sz="1000" u="sng" dirty="0"/>
+            </a:p>
+          </p:txBody>
+        </p:sp>
+        <p:sp>
+          <p:nvSpPr>
+            <p:cNvPr id="13" name="타원 12"/>
+            <p:cNvSpPr/>
+            <p:nvPr/>
+          </p:nvSpPr>
+          <p:spPr>
+            <a:xfrm>
+              <a:off x="4211960" y="4077072"/>
+              <a:ext cx="864096" cy="504056"/>
+            </a:xfrm>
+            <a:prstGeom prst="ellipse">
+              <a:avLst/>
+            </a:prstGeom>
+          </p:spPr>
+          <p:style>
+            <a:lnRef idx="2">
+              <a:schemeClr val="dk1"/>
+            </a:lnRef>
+            <a:fillRef idx="1">
+              <a:schemeClr val="lt1"/>
+            </a:fillRef>
+            <a:effectRef idx="0">
+              <a:schemeClr val="dk1"/>
+            </a:effectRef>
+            <a:fontRef idx="minor">
+              <a:schemeClr val="dk1"/>
+            </a:fontRef>
+          </p:style>
+          <p:txBody>
+            <a:bodyPr rtlCol="0" anchor="ctr"/>
+            <a:lstStyle/>
+            <a:p>
+              <a:pPr algn="ctr"/>
+              <a:r>
+                <a:rPr lang="ko-KR" altLang="en-US" sz="1000" dirty="0" smtClean="0"/>
+                <a:t>제</a:t>
+              </a:r>
+              <a:r>
+                <a:rPr lang="ko-KR" altLang="en-US" sz="1000" dirty="0"/>
+                <a:t>목</a:t>
+              </a:r>
+            </a:p>
+          </p:txBody>
+        </p:sp>
+        <p:cxnSp>
+          <p:nvCxnSpPr>
+            <p:cNvPr id="15" name="직선 연결선 14"/>
+            <p:cNvCxnSpPr>
+              <a:stCxn id="5" idx="2"/>
+              <a:endCxn id="12" idx="0"/>
+            </p:cNvCxnSpPr>
+            <p:nvPr/>
+          </p:nvCxnSpPr>
+          <p:spPr>
+            <a:xfrm>
+              <a:off x="3322262" y="3736600"/>
+              <a:ext cx="390189" cy="340472"/>
+            </a:xfrm>
+            <a:prstGeom prst="line">
+              <a:avLst/>
+            </a:prstGeom>
+          </p:spPr>
+          <p:style>
+            <a:lnRef idx="2">
+              <a:schemeClr val="dk1"/>
+            </a:lnRef>
+            <a:fillRef idx="0">
+              <a:schemeClr val="dk1"/>
+            </a:fillRef>
+            <a:effectRef idx="1">
+              <a:schemeClr val="dk1"/>
+            </a:effectRef>
+            <a:fontRef idx="minor">
+              <a:schemeClr val="tx1"/>
+            </a:fontRef>
+          </p:style>
+        </p:cxnSp>
+        <p:cxnSp>
+          <p:nvCxnSpPr>
+            <p:cNvPr id="17" name="직선 연결선 16"/>
+            <p:cNvCxnSpPr>
+              <a:stCxn id="5" idx="2"/>
+              <a:endCxn id="13" idx="0"/>
+            </p:cNvCxnSpPr>
+            <p:nvPr/>
+          </p:nvCxnSpPr>
+          <p:spPr>
+            <a:xfrm>
+              <a:off x="3322262" y="3736600"/>
+              <a:ext cx="1321746" cy="340472"/>
+            </a:xfrm>
+            <a:prstGeom prst="line">
+              <a:avLst/>
+            </a:prstGeom>
+          </p:spPr>
+          <p:style>
+            <a:lnRef idx="2">
+              <a:schemeClr val="dk1"/>
+            </a:lnRef>
+            <a:fillRef idx="0">
+              <a:schemeClr val="dk1"/>
+            </a:fillRef>
+            <a:effectRef idx="1">
+              <a:schemeClr val="dk1"/>
+            </a:effectRef>
+            <a:fontRef idx="minor">
+              <a:schemeClr val="tx1"/>
+            </a:fontRef>
+          </p:style>
+        </p:cxnSp>
+        <p:sp>
+          <p:nvSpPr>
+            <p:cNvPr id="19" name="타원 18"/>
+            <p:cNvSpPr/>
+            <p:nvPr/>
+          </p:nvSpPr>
+          <p:spPr>
+            <a:xfrm>
+              <a:off x="5204641" y="4135187"/>
+              <a:ext cx="864096" cy="504056"/>
+            </a:xfrm>
+            <a:prstGeom prst="ellipse">
+              <a:avLst/>
+            </a:prstGeom>
+          </p:spPr>
+          <p:style>
+            <a:lnRef idx="2">
+              <a:schemeClr val="dk1"/>
+            </a:lnRef>
+            <a:fillRef idx="1">
+              <a:schemeClr val="lt1"/>
+            </a:fillRef>
+            <a:effectRef idx="0">
+              <a:schemeClr val="dk1"/>
+            </a:effectRef>
+            <a:fontRef idx="minor">
+              <a:schemeClr val="dk1"/>
+            </a:fontRef>
+          </p:style>
+          <p:txBody>
+            <a:bodyPr rtlCol="0" anchor="ctr"/>
+            <a:lstStyle/>
+            <a:p>
+              <a:pPr algn="ctr"/>
+              <a:r>
+                <a:rPr lang="ko-KR" altLang="en-US" sz="1000" u="sng" dirty="0" smtClean="0"/>
+                <a:t>배우코드</a:t>
+              </a:r>
+              <a:endParaRPr lang="ko-KR" altLang="en-US" sz="1000" u="sng" dirty="0"/>
+            </a:p>
+          </p:txBody>
+        </p:sp>
+        <p:sp>
+          <p:nvSpPr>
+            <p:cNvPr id="20" name="타원 19"/>
+            <p:cNvSpPr/>
+            <p:nvPr/>
+          </p:nvSpPr>
+          <p:spPr>
+            <a:xfrm>
+              <a:off x="6122743" y="4135187"/>
+              <a:ext cx="864096" cy="504056"/>
+            </a:xfrm>
+            <a:prstGeom prst="ellipse">
+              <a:avLst/>
+            </a:prstGeom>
+          </p:spPr>
+          <p:style>
+            <a:lnRef idx="2">
+              <a:schemeClr val="dk1"/>
+            </a:lnRef>
+            <a:fillRef idx="1">
+              <a:schemeClr val="lt1"/>
+            </a:fillRef>
+            <a:effectRef idx="0">
+              <a:schemeClr val="dk1"/>
+            </a:effectRef>
+            <a:fontRef idx="minor">
+              <a:schemeClr val="dk1"/>
+            </a:fontRef>
+          </p:style>
+          <p:txBody>
+            <a:bodyPr rtlCol="0" anchor="ctr"/>
+            <a:lstStyle/>
+            <a:p>
+              <a:pPr algn="ctr"/>
+              <a:r>
+                <a:rPr lang="ko-KR" altLang="en-US" sz="1000" dirty="0" smtClean="0"/>
+                <a:t>이름</a:t>
+              </a:r>
+              <a:endParaRPr lang="ko-KR" altLang="en-US" sz="1000" dirty="0"/>
+            </a:p>
+          </p:txBody>
+        </p:sp>
+        <p:sp>
+          <p:nvSpPr>
+            <p:cNvPr id="21" name="타원 20"/>
+            <p:cNvSpPr/>
+            <p:nvPr/>
+          </p:nvSpPr>
+          <p:spPr>
+            <a:xfrm>
+              <a:off x="7040845" y="4135187"/>
+              <a:ext cx="864096" cy="504056"/>
+            </a:xfrm>
+            <a:prstGeom prst="ellipse">
+              <a:avLst/>
+            </a:prstGeom>
+          </p:spPr>
+          <p:style>
+            <a:lnRef idx="2">
+              <a:schemeClr val="dk1"/>
+            </a:lnRef>
+            <a:fillRef idx="1">
+              <a:schemeClr val="lt1"/>
+            </a:fillRef>
+            <a:effectRef idx="0">
+              <a:schemeClr val="dk1"/>
+            </a:effectRef>
+            <a:fontRef idx="minor">
+              <a:schemeClr val="dk1"/>
+            </a:fontRef>
+          </p:style>
+          <p:txBody>
+            <a:bodyPr rtlCol="0" anchor="ctr"/>
+            <a:lstStyle/>
+            <a:p>
+              <a:pPr algn="ctr"/>
+              <a:r>
+                <a:rPr lang="ko-KR" altLang="en-US" sz="1000" dirty="0" smtClean="0"/>
+                <a:t>국</a:t>
+              </a:r>
+              <a:r>
+                <a:rPr lang="ko-KR" altLang="en-US" sz="1000" dirty="0"/>
+                <a:t>적</a:t>
+              </a:r>
+            </a:p>
+          </p:txBody>
+        </p:sp>
+        <p:cxnSp>
+          <p:nvCxnSpPr>
+            <p:cNvPr id="23" name="직선 연결선 22"/>
+            <p:cNvCxnSpPr>
+              <a:stCxn id="6" idx="2"/>
+              <a:endCxn id="19" idx="0"/>
+            </p:cNvCxnSpPr>
+            <p:nvPr/>
+          </p:nvCxnSpPr>
+          <p:spPr>
+            <a:xfrm flipH="1">
+              <a:off x="5636689" y="3736600"/>
+              <a:ext cx="918102" cy="398587"/>
+            </a:xfrm>
+            <a:prstGeom prst="line">
+              <a:avLst/>
+            </a:prstGeom>
+          </p:spPr>
+          <p:style>
+            <a:lnRef idx="2">
+              <a:schemeClr val="dk1"/>
+            </a:lnRef>
+            <a:fillRef idx="0">
+              <a:schemeClr val="dk1"/>
+            </a:fillRef>
+            <a:effectRef idx="1">
+              <a:schemeClr val="dk1"/>
+            </a:effectRef>
+            <a:fontRef idx="minor">
+              <a:schemeClr val="tx1"/>
+            </a:fontRef>
+          </p:style>
+        </p:cxnSp>
+        <p:cxnSp>
+          <p:nvCxnSpPr>
+            <p:cNvPr id="25" name="직선 연결선 24"/>
+            <p:cNvCxnSpPr>
+              <a:stCxn id="6" idx="2"/>
+              <a:endCxn id="20" idx="0"/>
+            </p:cNvCxnSpPr>
+            <p:nvPr/>
+          </p:nvCxnSpPr>
+          <p:spPr>
+            <a:xfrm>
+              <a:off x="6554791" y="3736600"/>
+              <a:ext cx="0" cy="398587"/>
+            </a:xfrm>
+            <a:prstGeom prst="line">
+              <a:avLst/>
+            </a:prstGeom>
+          </p:spPr>
+          <p:style>
+            <a:lnRef idx="2">
+              <a:schemeClr val="dk1"/>
+            </a:lnRef>
+            <a:fillRef idx="0">
+              <a:schemeClr val="dk1"/>
+            </a:fillRef>
+            <a:effectRef idx="1">
+              <a:schemeClr val="dk1"/>
+            </a:effectRef>
+            <a:fontRef idx="minor">
+              <a:schemeClr val="tx1"/>
+            </a:fontRef>
+          </p:style>
+        </p:cxnSp>
+        <p:cxnSp>
+          <p:nvCxnSpPr>
+            <p:cNvPr id="27" name="직선 연결선 26"/>
+            <p:cNvCxnSpPr>
+              <a:stCxn id="6" idx="2"/>
+              <a:endCxn id="21" idx="0"/>
+            </p:cNvCxnSpPr>
+            <p:nvPr/>
+          </p:nvCxnSpPr>
+          <p:spPr>
+            <a:xfrm>
+              <a:off x="6554791" y="3736600"/>
+              <a:ext cx="918102" cy="398587"/>
+            </a:xfrm>
+            <a:prstGeom prst="line">
+              <a:avLst/>
+            </a:prstGeom>
+          </p:spPr>
+          <p:style>
+            <a:lnRef idx="2">
+              <a:schemeClr val="dk1"/>
+            </a:lnRef>
+            <a:fillRef idx="0">
+              <a:schemeClr val="dk1"/>
+            </a:fillRef>
+            <a:effectRef idx="1">
+              <a:schemeClr val="dk1"/>
+            </a:effectRef>
+            <a:fontRef idx="minor">
+              <a:schemeClr val="tx1"/>
+            </a:fontRef>
+          </p:style>
+        </p:cxnSp>
+        <p:sp>
+          <p:nvSpPr>
+            <p:cNvPr id="28" name="다이아몬드 27"/>
+            <p:cNvSpPr/>
+            <p:nvPr/>
+          </p:nvSpPr>
+          <p:spPr>
+            <a:xfrm>
+              <a:off x="4398656" y="3118705"/>
+              <a:ext cx="1080120" cy="659727"/>
+            </a:xfrm>
+            <a:prstGeom prst="diamond">
+              <a:avLst/>
+            </a:prstGeom>
+          </p:spPr>
+          <p:style>
+            <a:lnRef idx="2">
+              <a:schemeClr val="dk1"/>
+            </a:lnRef>
+            <a:fillRef idx="1">
+              <a:schemeClr val="lt1"/>
+            </a:fillRef>
+            <a:effectRef idx="0">
+              <a:schemeClr val="dk1"/>
+            </a:effectRef>
+            <a:fontRef idx="minor">
+              <a:schemeClr val="dk1"/>
+            </a:fontRef>
+          </p:style>
+          <p:txBody>
+            <a:bodyPr rot="0" spcFirstLastPara="0" vertOverflow="overflow" horzOverflow="overflow" vert="horz" wrap="square" lIns="91440" tIns="45720" rIns="91440" bIns="45720" numCol="1" spcCol="0" rtlCol="0" fromWordArt="0" anchor="ctr" anchorCtr="0" forceAA="0" compatLnSpc="1">
+              <a:prstTxWarp prst="textNoShape">
+                <a:avLst/>
+              </a:prstTxWarp>
+              <a:noAutofit/>
+            </a:bodyPr>
+            <a:lstStyle/>
+            <a:p>
+              <a:pPr algn="ctr"/>
+              <a:r>
+                <a:rPr lang="ko-KR" altLang="en-US" sz="1050" dirty="0" smtClean="0"/>
+                <a:t>출</a:t>
+              </a:r>
+              <a:r>
+                <a:rPr lang="ko-KR" altLang="en-US" sz="1050" dirty="0"/>
+                <a:t>연</a:t>
+              </a:r>
+              <a:endParaRPr lang="ko-KR" altLang="en-US" sz="1050" dirty="0" smtClean="0"/>
+            </a:p>
+          </p:txBody>
+        </p:sp>
+        <p:cxnSp>
+          <p:nvCxnSpPr>
+            <p:cNvPr id="30" name="직선 연결선 29"/>
+            <p:cNvCxnSpPr>
+              <a:stCxn id="28" idx="1"/>
+              <a:endCxn id="5" idx="3"/>
+            </p:cNvCxnSpPr>
+            <p:nvPr/>
+          </p:nvCxnSpPr>
+          <p:spPr>
+            <a:xfrm flipH="1" flipV="1">
+              <a:off x="3862322" y="3448568"/>
+              <a:ext cx="536334" cy="1"/>
+            </a:xfrm>
+            <a:prstGeom prst="line">
+              <a:avLst/>
+            </a:prstGeom>
+          </p:spPr>
+          <p:style>
+            <a:lnRef idx="2">
+              <a:schemeClr val="dk1"/>
+            </a:lnRef>
+            <a:fillRef idx="0">
+              <a:schemeClr val="dk1"/>
+            </a:fillRef>
+            <a:effectRef idx="1">
+              <a:schemeClr val="dk1"/>
+            </a:effectRef>
+            <a:fontRef idx="minor">
+              <a:schemeClr val="tx1"/>
+            </a:fontRef>
+          </p:style>
+        </p:cxnSp>
+        <p:cxnSp>
+          <p:nvCxnSpPr>
+            <p:cNvPr id="32" name="직선 연결선 31"/>
+            <p:cNvCxnSpPr>
+              <a:stCxn id="28" idx="3"/>
+              <a:endCxn id="6" idx="1"/>
+            </p:cNvCxnSpPr>
+            <p:nvPr/>
+          </p:nvCxnSpPr>
+          <p:spPr>
+            <a:xfrm flipV="1">
+              <a:off x="5478776" y="3448568"/>
+              <a:ext cx="535955" cy="1"/>
+            </a:xfrm>
+            <a:prstGeom prst="line">
+              <a:avLst/>
+            </a:prstGeom>
+          </p:spPr>
+          <p:style>
+            <a:lnRef idx="2">
+              <a:schemeClr val="dk1"/>
+            </a:lnRef>
+            <a:fillRef idx="0">
+              <a:schemeClr val="dk1"/>
+            </a:fillRef>
+            <a:effectRef idx="1">
+              <a:schemeClr val="dk1"/>
+            </a:effectRef>
+            <a:fontRef idx="minor">
+              <a:schemeClr val="tx1"/>
+            </a:fontRef>
+          </p:style>
+        </p:cxnSp>
+        <p:sp>
+          <p:nvSpPr>
+            <p:cNvPr id="33" name="TextBox 32"/>
+            <p:cNvSpPr txBox="1"/>
+            <p:nvPr/>
+          </p:nvSpPr>
+          <p:spPr>
+            <a:xfrm>
+              <a:off x="5582683" y="2996952"/>
+              <a:ext cx="360040" cy="354704"/>
+            </a:xfrm>
+            <a:prstGeom prst="rect">
+              <a:avLst/>
+            </a:prstGeom>
+            <a:noFill/>
+          </p:spPr>
+          <p:txBody>
+            <a:bodyPr wrap="square" rtlCol="0">
+              <a:spAutoFit/>
+            </a:bodyPr>
+            <a:lstStyle/>
+            <a:p>
+              <a:r>
+                <a:rPr lang="en-US" altLang="ko-KR" sz="1200" dirty="0" smtClean="0"/>
+                <a:t>N</a:t>
+              </a:r>
+              <a:endParaRPr lang="ko-KR" altLang="en-US" sz="1200" dirty="0"/>
+            </a:p>
+          </p:txBody>
+        </p:sp>
+        <p:sp>
+          <p:nvSpPr>
+            <p:cNvPr id="34" name="TextBox 33"/>
+            <p:cNvSpPr txBox="1"/>
+            <p:nvPr/>
+          </p:nvSpPr>
+          <p:spPr>
+            <a:xfrm>
+              <a:off x="3946553" y="2996952"/>
+              <a:ext cx="360040" cy="354704"/>
+            </a:xfrm>
+            <a:prstGeom prst="rect">
+              <a:avLst/>
+            </a:prstGeom>
+            <a:noFill/>
+          </p:spPr>
+          <p:txBody>
+            <a:bodyPr wrap="square" rtlCol="0">
+              <a:spAutoFit/>
+            </a:bodyPr>
+            <a:lstStyle/>
+            <a:p>
+              <a:r>
+                <a:rPr lang="en-US" altLang="ko-KR" sz="1200" dirty="0" smtClean="0"/>
+                <a:t>M</a:t>
+              </a:r>
+              <a:endParaRPr lang="ko-KR" altLang="en-US" sz="1200" dirty="0"/>
+            </a:p>
+          </p:txBody>
+        </p:sp>
+        <p:sp>
+          <p:nvSpPr>
+            <p:cNvPr id="35" name="TextBox 34"/>
+            <p:cNvSpPr txBox="1"/>
+            <p:nvPr/>
+          </p:nvSpPr>
+          <p:spPr>
+            <a:xfrm>
+              <a:off x="3946553" y="3522635"/>
+              <a:ext cx="628017" cy="354704"/>
+            </a:xfrm>
+            <a:prstGeom prst="rect">
+              <a:avLst/>
+            </a:prstGeom>
+            <a:noFill/>
+          </p:spPr>
+          <p:txBody>
+            <a:bodyPr wrap="square" rtlCol="0">
+              <a:spAutoFit/>
+            </a:bodyPr>
+            <a:lstStyle/>
+            <a:p>
+              <a:r>
+                <a:rPr lang="en-US" altLang="ko-KR" sz="1200" dirty="0" smtClean="0"/>
+                <a:t>(1,*)</a:t>
+              </a:r>
+              <a:endParaRPr lang="ko-KR" altLang="en-US" sz="1200" dirty="0"/>
+            </a:p>
+          </p:txBody>
+        </p:sp>
+        <p:sp>
+          <p:nvSpPr>
+            <p:cNvPr id="36" name="TextBox 35"/>
+            <p:cNvSpPr txBox="1"/>
+            <p:nvPr/>
+          </p:nvSpPr>
+          <p:spPr>
+            <a:xfrm>
+              <a:off x="5438667" y="3522635"/>
+              <a:ext cx="628017" cy="354704"/>
+            </a:xfrm>
+            <a:prstGeom prst="rect">
+              <a:avLst/>
+            </a:prstGeom>
+            <a:noFill/>
+          </p:spPr>
+          <p:txBody>
+            <a:bodyPr wrap="square" rtlCol="0">
+              <a:spAutoFit/>
+            </a:bodyPr>
+            <a:lstStyle/>
+            <a:p>
+              <a:r>
+                <a:rPr lang="en-US" altLang="ko-KR" sz="1200" dirty="0" smtClean="0"/>
+                <a:t>(0,*)</a:t>
+              </a:r>
+              <a:endParaRPr lang="ko-KR" altLang="en-US" sz="1200" dirty="0"/>
+            </a:p>
+          </p:txBody>
+        </p:sp>
+        <p:sp>
+          <p:nvSpPr>
+            <p:cNvPr id="42" name="타원 41"/>
+            <p:cNvSpPr/>
+            <p:nvPr/>
+          </p:nvSpPr>
+          <p:spPr>
+            <a:xfrm>
+              <a:off x="755576" y="5909084"/>
+              <a:ext cx="864096" cy="504056"/>
+            </a:xfrm>
+            <a:prstGeom prst="ellipse">
+              <a:avLst/>
+            </a:prstGeom>
+          </p:spPr>
+          <p:style>
+            <a:lnRef idx="2">
+              <a:schemeClr val="dk1"/>
+            </a:lnRef>
+            <a:fillRef idx="1">
+              <a:schemeClr val="lt1"/>
+            </a:fillRef>
+            <a:effectRef idx="0">
+              <a:schemeClr val="dk1"/>
+            </a:effectRef>
+            <a:fontRef idx="minor">
+              <a:schemeClr val="dk1"/>
+            </a:fontRef>
+          </p:style>
+          <p:txBody>
+            <a:bodyPr rtlCol="0" anchor="ctr"/>
+            <a:lstStyle/>
+            <a:p>
+              <a:pPr algn="ctr"/>
+              <a:r>
+                <a:rPr lang="ko-KR" altLang="en-US" sz="1000" u="sng" dirty="0" err="1" smtClean="0"/>
+                <a:t>컨텐츠이</a:t>
+              </a:r>
+              <a:r>
+                <a:rPr lang="ko-KR" altLang="en-US" sz="1000" u="sng" dirty="0" err="1"/>
+                <a:t>름</a:t>
+              </a:r>
+              <a:endParaRPr lang="ko-KR" altLang="en-US" sz="1000" u="sng" dirty="0"/>
+            </a:p>
+          </p:txBody>
+        </p:sp>
+        <p:sp>
+          <p:nvSpPr>
+            <p:cNvPr id="43" name="타원 42"/>
+            <p:cNvSpPr/>
+            <p:nvPr/>
+          </p:nvSpPr>
+          <p:spPr>
+            <a:xfrm>
+              <a:off x="1763688" y="5909084"/>
+              <a:ext cx="864096" cy="504056"/>
+            </a:xfrm>
+            <a:prstGeom prst="ellipse">
+              <a:avLst/>
+            </a:prstGeom>
+          </p:spPr>
+          <p:style>
+            <a:lnRef idx="2">
+              <a:schemeClr val="dk1"/>
+            </a:lnRef>
+            <a:fillRef idx="1">
+              <a:schemeClr val="lt1"/>
+            </a:fillRef>
+            <a:effectRef idx="0">
+              <a:schemeClr val="dk1"/>
+            </a:effectRef>
+            <a:fontRef idx="minor">
+              <a:schemeClr val="dk1"/>
+            </a:fontRef>
+          </p:style>
+          <p:txBody>
+            <a:bodyPr rtlCol="0" anchor="ctr"/>
+            <a:lstStyle/>
+            <a:p>
+              <a:pPr algn="ctr"/>
+              <a:r>
+                <a:rPr lang="ko-KR" altLang="en-US" sz="1000" u="sng" smtClean="0"/>
+                <a:t>타</a:t>
+              </a:r>
+              <a:r>
+                <a:rPr lang="ko-KR" altLang="en-US" sz="1000" u="sng"/>
+                <a:t>입</a:t>
+              </a:r>
+              <a:endParaRPr lang="ko-KR" altLang="en-US" sz="1000" u="sng" dirty="0"/>
+            </a:p>
+          </p:txBody>
+        </p:sp>
+        <p:cxnSp>
+          <p:nvCxnSpPr>
+            <p:cNvPr id="45" name="직선 연결선 44"/>
+            <p:cNvCxnSpPr>
+              <a:stCxn id="39" idx="2"/>
+              <a:endCxn id="42" idx="0"/>
+            </p:cNvCxnSpPr>
+            <p:nvPr/>
+          </p:nvCxnSpPr>
+          <p:spPr>
+            <a:xfrm flipH="1">
+              <a:off x="1187624" y="5621052"/>
+              <a:ext cx="540060" cy="288032"/>
+            </a:xfrm>
+            <a:prstGeom prst="line">
+              <a:avLst/>
+            </a:prstGeom>
+          </p:spPr>
+          <p:style>
+            <a:lnRef idx="2">
+              <a:schemeClr val="dk1"/>
+            </a:lnRef>
+            <a:fillRef idx="0">
+              <a:schemeClr val="dk1"/>
+            </a:fillRef>
+            <a:effectRef idx="1">
+              <a:schemeClr val="dk1"/>
+            </a:effectRef>
+            <a:fontRef idx="minor">
+              <a:schemeClr val="tx1"/>
+            </a:fontRef>
+          </p:style>
+        </p:cxnSp>
+        <p:cxnSp>
+          <p:nvCxnSpPr>
+            <p:cNvPr id="47" name="직선 연결선 46"/>
+            <p:cNvCxnSpPr>
+              <a:stCxn id="39" idx="2"/>
+              <a:endCxn id="43" idx="0"/>
+            </p:cNvCxnSpPr>
+            <p:nvPr/>
+          </p:nvCxnSpPr>
+          <p:spPr>
+            <a:xfrm>
+              <a:off x="1727684" y="5621052"/>
+              <a:ext cx="468052" cy="288032"/>
+            </a:xfrm>
+            <a:prstGeom prst="line">
+              <a:avLst/>
+            </a:prstGeom>
+          </p:spPr>
+          <p:style>
+            <a:lnRef idx="2">
+              <a:schemeClr val="dk1"/>
+            </a:lnRef>
+            <a:fillRef idx="0">
+              <a:schemeClr val="dk1"/>
+            </a:fillRef>
+            <a:effectRef idx="1">
+              <a:schemeClr val="dk1"/>
+            </a:effectRef>
+            <a:fontRef idx="minor">
+              <a:schemeClr val="tx1"/>
+            </a:fontRef>
+          </p:style>
+        </p:cxnSp>
+        <p:sp>
+          <p:nvSpPr>
+            <p:cNvPr id="50" name="다이아몬드 49"/>
+            <p:cNvSpPr/>
+            <p:nvPr/>
+          </p:nvSpPr>
+          <p:spPr>
+            <a:xfrm>
+              <a:off x="1799692" y="3999903"/>
+              <a:ext cx="1080120" cy="659727"/>
+            </a:xfrm>
+            <a:prstGeom prst="diamond">
+              <a:avLst/>
+            </a:prstGeom>
+          </p:spPr>
+          <p:style>
+            <a:lnRef idx="2">
+              <a:schemeClr val="dk1"/>
+            </a:lnRef>
+            <a:fillRef idx="1">
+              <a:schemeClr val="lt1"/>
+            </a:fillRef>
+            <a:effectRef idx="0">
+              <a:schemeClr val="dk1"/>
+            </a:effectRef>
+            <a:fontRef idx="minor">
+              <a:schemeClr val="dk1"/>
+            </a:fontRef>
+          </p:style>
+          <p:txBody>
+            <a:bodyPr rot="0" spcFirstLastPara="0" vertOverflow="overflow" horzOverflow="overflow" vert="horz" wrap="square" lIns="91440" tIns="45720" rIns="91440" bIns="45720" numCol="1" spcCol="0" rtlCol="0" fromWordArt="0" anchor="ctr" anchorCtr="0" forceAA="0" compatLnSpc="1">
+              <a:prstTxWarp prst="textNoShape">
+                <a:avLst/>
+              </a:prstTxWarp>
+              <a:noAutofit/>
+            </a:bodyPr>
+            <a:lstStyle/>
+            <a:p>
+              <a:pPr algn="ctr"/>
+              <a:r>
+                <a:rPr lang="ko-KR" altLang="en-US" sz="1050" dirty="0" smtClean="0"/>
+                <a:t>제작</a:t>
+              </a:r>
+            </a:p>
+          </p:txBody>
+        </p:sp>
+        <p:cxnSp>
+          <p:nvCxnSpPr>
+            <p:cNvPr id="52" name="직선 연결선 51"/>
+            <p:cNvCxnSpPr>
+              <a:stCxn id="5" idx="2"/>
+              <a:endCxn id="50" idx="3"/>
+            </p:cNvCxnSpPr>
+            <p:nvPr/>
+          </p:nvCxnSpPr>
+          <p:spPr>
+            <a:xfrm flipH="1">
+              <a:off x="2879812" y="3736600"/>
+              <a:ext cx="442450" cy="593167"/>
+            </a:xfrm>
+            <a:prstGeom prst="line">
+              <a:avLst/>
+            </a:prstGeom>
+          </p:spPr>
+          <p:style>
+            <a:lnRef idx="2">
+              <a:schemeClr val="dk1"/>
+            </a:lnRef>
+            <a:fillRef idx="0">
+              <a:schemeClr val="dk1"/>
+            </a:fillRef>
+            <a:effectRef idx="1">
+              <a:schemeClr val="dk1"/>
+            </a:effectRef>
+            <a:fontRef idx="minor">
+              <a:schemeClr val="tx1"/>
+            </a:fontRef>
+          </p:style>
+        </p:cxnSp>
+        <p:cxnSp>
+          <p:nvCxnSpPr>
+            <p:cNvPr id="54" name="직선 연결선 53"/>
+            <p:cNvCxnSpPr>
+              <a:stCxn id="50" idx="1"/>
+              <a:endCxn id="39" idx="0"/>
+            </p:cNvCxnSpPr>
+            <p:nvPr/>
+          </p:nvCxnSpPr>
+          <p:spPr>
+            <a:xfrm flipH="1">
+              <a:off x="1727684" y="4329767"/>
+              <a:ext cx="72008" cy="507581"/>
+            </a:xfrm>
+            <a:prstGeom prst="line">
+              <a:avLst/>
+            </a:prstGeom>
+          </p:spPr>
+          <p:style>
+            <a:lnRef idx="2">
+              <a:schemeClr val="dk1"/>
+            </a:lnRef>
+            <a:fillRef idx="0">
+              <a:schemeClr val="dk1"/>
+            </a:fillRef>
+            <a:effectRef idx="1">
+              <a:schemeClr val="dk1"/>
+            </a:effectRef>
+            <a:fontRef idx="minor">
+              <a:schemeClr val="tx1"/>
+            </a:fontRef>
+          </p:style>
+        </p:cxnSp>
+        <p:sp>
+          <p:nvSpPr>
+            <p:cNvPr id="55" name="TextBox 54"/>
+            <p:cNvSpPr txBox="1"/>
+            <p:nvPr/>
+          </p:nvSpPr>
+          <p:spPr>
+            <a:xfrm>
+              <a:off x="1343266" y="4348861"/>
+              <a:ext cx="386316" cy="354704"/>
+            </a:xfrm>
+            <a:prstGeom prst="rect">
+              <a:avLst/>
+            </a:prstGeom>
+            <a:noFill/>
+          </p:spPr>
+          <p:txBody>
+            <a:bodyPr wrap="none" rtlCol="0">
+              <a:spAutoFit/>
+            </a:bodyPr>
+            <a:lstStyle/>
+            <a:p>
+              <a:r>
+                <a:rPr lang="en-US" altLang="ko-KR" sz="1200" dirty="0" smtClean="0"/>
+                <a:t>N</a:t>
+              </a:r>
+              <a:endParaRPr lang="ko-KR" altLang="en-US" sz="1200" dirty="0"/>
+            </a:p>
+          </p:txBody>
+        </p:sp>
+        <p:sp>
+          <p:nvSpPr>
+            <p:cNvPr id="56" name="TextBox 55"/>
+            <p:cNvSpPr txBox="1"/>
+            <p:nvPr/>
+          </p:nvSpPr>
+          <p:spPr>
+            <a:xfrm>
+              <a:off x="2634381" y="3779356"/>
+              <a:ext cx="345262" cy="354704"/>
+            </a:xfrm>
+            <a:prstGeom prst="rect">
+              <a:avLst/>
+            </a:prstGeom>
+            <a:noFill/>
+          </p:spPr>
+          <p:txBody>
+            <a:bodyPr wrap="none" rtlCol="0">
+              <a:spAutoFit/>
+            </a:bodyPr>
+            <a:lstStyle/>
+            <a:p>
+              <a:r>
+                <a:rPr lang="en-US" altLang="ko-KR" sz="1200" dirty="0" smtClean="0"/>
+                <a:t>1</a:t>
+              </a:r>
+              <a:endParaRPr lang="ko-KR" altLang="en-US" sz="1200" dirty="0"/>
+            </a:p>
+          </p:txBody>
+        </p:sp>
+        <p:sp>
+          <p:nvSpPr>
+            <p:cNvPr id="57" name="TextBox 56"/>
+            <p:cNvSpPr txBox="1"/>
+            <p:nvPr/>
+          </p:nvSpPr>
+          <p:spPr>
+            <a:xfrm>
+              <a:off x="2339753" y="4612792"/>
+              <a:ext cx="605933" cy="354704"/>
+            </a:xfrm>
+            <a:prstGeom prst="rect">
+              <a:avLst/>
+            </a:prstGeom>
+            <a:noFill/>
+          </p:spPr>
+          <p:txBody>
+            <a:bodyPr wrap="square" rtlCol="0">
+              <a:spAutoFit/>
+            </a:bodyPr>
+            <a:lstStyle/>
+            <a:p>
+              <a:r>
+                <a:rPr lang="en-US" altLang="ko-KR" sz="1200" dirty="0" smtClean="0"/>
+                <a:t>(0,*)</a:t>
+              </a:r>
+              <a:endParaRPr lang="ko-KR" altLang="en-US" sz="1200" dirty="0"/>
+            </a:p>
+          </p:txBody>
+        </p:sp>
+        <p:sp>
+          <p:nvSpPr>
+            <p:cNvPr id="58" name="TextBox 57"/>
+            <p:cNvSpPr txBox="1"/>
+            <p:nvPr/>
+          </p:nvSpPr>
+          <p:spPr>
+            <a:xfrm>
+              <a:off x="2945686" y="3891967"/>
+              <a:ext cx="605933" cy="354704"/>
+            </a:xfrm>
+            <a:prstGeom prst="rect">
+              <a:avLst/>
+            </a:prstGeom>
+            <a:noFill/>
+          </p:spPr>
+          <p:txBody>
+            <a:bodyPr wrap="square" rtlCol="0">
+              <a:spAutoFit/>
+            </a:bodyPr>
+            <a:lstStyle/>
+            <a:p>
+              <a:r>
+                <a:rPr lang="en-US" altLang="ko-KR" sz="1200" dirty="0" smtClean="0"/>
+                <a:t>(1,1)</a:t>
+              </a:r>
+              <a:endParaRPr lang="ko-KR" altLang="en-US" sz="1200" dirty="0"/>
+            </a:p>
+          </p:txBody>
+        </p:sp>
+        <p:sp>
+          <p:nvSpPr>
+            <p:cNvPr id="59" name="다이아몬드 58"/>
+            <p:cNvSpPr/>
+            <p:nvPr/>
+          </p:nvSpPr>
+          <p:spPr>
+            <a:xfrm>
+              <a:off x="2782202" y="1151567"/>
+              <a:ext cx="1080120" cy="659727"/>
+            </a:xfrm>
+            <a:prstGeom prst="diamond">
+              <a:avLst/>
+            </a:prstGeom>
+          </p:spPr>
+          <p:style>
+            <a:lnRef idx="2">
+              <a:schemeClr val="dk1"/>
+            </a:lnRef>
+            <a:fillRef idx="1">
+              <a:schemeClr val="lt1"/>
+            </a:fillRef>
+            <a:effectRef idx="0">
+              <a:schemeClr val="dk1"/>
+            </a:effectRef>
+            <a:fontRef idx="minor">
+              <a:schemeClr val="dk1"/>
+            </a:fontRef>
+          </p:style>
+          <p:txBody>
+            <a:bodyPr rot="0" spcFirstLastPara="0" vertOverflow="overflow" horzOverflow="overflow" vert="horz" wrap="square" lIns="91440" tIns="45720" rIns="91440" bIns="45720" numCol="1" spcCol="0" rtlCol="0" fromWordArt="0" anchor="ctr" anchorCtr="0" forceAA="0" compatLnSpc="1">
+              <a:prstTxWarp prst="textNoShape">
+                <a:avLst/>
+              </a:prstTxWarp>
+              <a:noAutofit/>
+            </a:bodyPr>
+            <a:lstStyle/>
+            <a:p>
+              <a:pPr algn="ctr"/>
+              <a:r>
+                <a:rPr lang="ko-KR" altLang="en-US" sz="900" dirty="0" smtClean="0"/>
+                <a:t>평가작성</a:t>
+              </a:r>
+              <a:endParaRPr lang="ko-KR" altLang="en-US" sz="900" dirty="0" smtClean="0"/>
+            </a:p>
+          </p:txBody>
+        </p:sp>
+        <p:cxnSp>
+          <p:nvCxnSpPr>
+            <p:cNvPr id="61" name="직선 연결선 60"/>
+            <p:cNvCxnSpPr>
+              <a:stCxn id="5" idx="0"/>
+              <a:endCxn id="59" idx="2"/>
+            </p:cNvCxnSpPr>
+            <p:nvPr/>
+          </p:nvCxnSpPr>
+          <p:spPr>
+            <a:xfrm flipV="1">
+              <a:off x="3322262" y="1811294"/>
+              <a:ext cx="0" cy="1349242"/>
+            </a:xfrm>
+            <a:prstGeom prst="line">
+              <a:avLst/>
+            </a:prstGeom>
+          </p:spPr>
+          <p:style>
+            <a:lnRef idx="2">
+              <a:schemeClr val="dk1"/>
+            </a:lnRef>
+            <a:fillRef idx="0">
+              <a:schemeClr val="dk1"/>
+            </a:fillRef>
+            <a:effectRef idx="1">
+              <a:schemeClr val="dk1"/>
+            </a:effectRef>
+            <a:fontRef idx="minor">
+              <a:schemeClr val="tx1"/>
+            </a:fontRef>
+          </p:style>
+        </p:cxnSp>
+        <p:cxnSp>
+          <p:nvCxnSpPr>
+            <p:cNvPr id="63" name="직선 연결선 62"/>
+            <p:cNvCxnSpPr>
+              <a:stCxn id="11" idx="1"/>
+              <a:endCxn id="59" idx="3"/>
+            </p:cNvCxnSpPr>
+            <p:nvPr/>
+          </p:nvCxnSpPr>
+          <p:spPr>
+            <a:xfrm flipH="1">
+              <a:off x="3862322" y="1481430"/>
+              <a:ext cx="659415" cy="1"/>
+            </a:xfrm>
+            <a:prstGeom prst="line">
+              <a:avLst/>
+            </a:prstGeom>
+          </p:spPr>
+          <p:style>
+            <a:lnRef idx="2">
+              <a:schemeClr val="dk1"/>
+            </a:lnRef>
+            <a:fillRef idx="0">
+              <a:schemeClr val="dk1"/>
+            </a:fillRef>
+            <a:effectRef idx="1">
+              <a:schemeClr val="dk1"/>
+            </a:effectRef>
+            <a:fontRef idx="minor">
+              <a:schemeClr val="tx1"/>
+            </a:fontRef>
+          </p:style>
+        </p:cxnSp>
+        <p:cxnSp>
+          <p:nvCxnSpPr>
+            <p:cNvPr id="65" name="직선 연결선 64"/>
+            <p:cNvCxnSpPr>
+              <a:stCxn id="9" idx="3"/>
+              <a:endCxn id="59" idx="1"/>
+            </p:cNvCxnSpPr>
+            <p:nvPr/>
+          </p:nvCxnSpPr>
+          <p:spPr>
+            <a:xfrm>
+              <a:off x="2173523" y="1481430"/>
+              <a:ext cx="608679" cy="1"/>
+            </a:xfrm>
+            <a:prstGeom prst="line">
+              <a:avLst/>
+            </a:prstGeom>
+          </p:spPr>
+          <p:style>
+            <a:lnRef idx="2">
+              <a:schemeClr val="dk1"/>
+            </a:lnRef>
+            <a:fillRef idx="0">
+              <a:schemeClr val="dk1"/>
+            </a:fillRef>
+            <a:effectRef idx="1">
+              <a:schemeClr val="dk1"/>
+            </a:effectRef>
+            <a:fontRef idx="minor">
+              <a:schemeClr val="tx1"/>
+            </a:fontRef>
+          </p:style>
+        </p:cxnSp>
+        <p:sp>
+          <p:nvSpPr>
+            <p:cNvPr id="82" name="TextBox 81"/>
+            <p:cNvSpPr txBox="1"/>
+            <p:nvPr/>
+          </p:nvSpPr>
+          <p:spPr>
+            <a:xfrm>
+              <a:off x="4080398" y="1008732"/>
+              <a:ext cx="345262" cy="354704"/>
+            </a:xfrm>
+            <a:prstGeom prst="rect">
+              <a:avLst/>
+            </a:prstGeom>
+            <a:noFill/>
+          </p:spPr>
+          <p:txBody>
+            <a:bodyPr wrap="none" rtlCol="0">
+              <a:spAutoFit/>
+            </a:bodyPr>
+            <a:lstStyle/>
+            <a:p>
+              <a:r>
+                <a:rPr lang="en-US" altLang="ko-KR" sz="1200" dirty="0" smtClean="0"/>
+                <a:t>1</a:t>
+              </a:r>
+              <a:endParaRPr lang="ko-KR" altLang="en-US" sz="1200" dirty="0"/>
+            </a:p>
+          </p:txBody>
+        </p:sp>
+        <p:sp>
+          <p:nvSpPr>
+            <p:cNvPr id="83" name="TextBox 82"/>
+            <p:cNvSpPr txBox="1"/>
+            <p:nvPr/>
+          </p:nvSpPr>
+          <p:spPr>
+            <a:xfrm>
+              <a:off x="2196143" y="1008732"/>
+              <a:ext cx="386316" cy="354704"/>
+            </a:xfrm>
+            <a:prstGeom prst="rect">
+              <a:avLst/>
+            </a:prstGeom>
+            <a:noFill/>
+          </p:spPr>
+          <p:txBody>
+            <a:bodyPr wrap="none" rtlCol="0">
+              <a:spAutoFit/>
+            </a:bodyPr>
+            <a:lstStyle/>
+            <a:p>
+              <a:r>
+                <a:rPr lang="en-US" altLang="ko-KR" sz="1200" dirty="0" smtClean="0"/>
+                <a:t>N</a:t>
+              </a:r>
+              <a:endParaRPr lang="ko-KR" altLang="en-US" sz="1200" dirty="0"/>
+            </a:p>
+          </p:txBody>
+        </p:sp>
+        <p:sp>
+          <p:nvSpPr>
+            <p:cNvPr id="84" name="TextBox 83"/>
+            <p:cNvSpPr txBox="1"/>
+            <p:nvPr/>
+          </p:nvSpPr>
+          <p:spPr>
+            <a:xfrm>
+              <a:off x="2196143" y="1839023"/>
+              <a:ext cx="386316" cy="354704"/>
+            </a:xfrm>
+            <a:prstGeom prst="rect">
+              <a:avLst/>
+            </a:prstGeom>
+            <a:noFill/>
+          </p:spPr>
+          <p:txBody>
+            <a:bodyPr wrap="none" rtlCol="0">
+              <a:spAutoFit/>
+            </a:bodyPr>
+            <a:lstStyle/>
+            <a:p>
+              <a:r>
+                <a:rPr lang="en-US" altLang="ko-KR" sz="1200" dirty="0" smtClean="0">
+                  <a:solidFill>
+                    <a:srgbClr val="0070C0"/>
+                  </a:solidFill>
+                </a:rPr>
+                <a:t>N</a:t>
+              </a:r>
+              <a:endParaRPr lang="ko-KR" altLang="en-US" sz="1200" dirty="0">
+                <a:solidFill>
+                  <a:srgbClr val="0070C0"/>
+                </a:solidFill>
+              </a:endParaRPr>
+            </a:p>
+          </p:txBody>
+        </p:sp>
+        <p:sp>
+          <p:nvSpPr>
+            <p:cNvPr id="85" name="TextBox 84"/>
+            <p:cNvSpPr txBox="1"/>
+            <p:nvPr/>
+          </p:nvSpPr>
+          <p:spPr>
+            <a:xfrm>
+              <a:off x="2879812" y="2634084"/>
+              <a:ext cx="345262" cy="354704"/>
+            </a:xfrm>
+            <a:prstGeom prst="rect">
+              <a:avLst/>
+            </a:prstGeom>
+            <a:noFill/>
+          </p:spPr>
+          <p:txBody>
+            <a:bodyPr wrap="none" rtlCol="0">
+              <a:spAutoFit/>
+            </a:bodyPr>
+            <a:lstStyle/>
+            <a:p>
+              <a:r>
+                <a:rPr lang="en-US" altLang="ko-KR" sz="1200" dirty="0" smtClean="0">
+                  <a:solidFill>
+                    <a:srgbClr val="0070C0"/>
+                  </a:solidFill>
+                </a:rPr>
+                <a:t>1</a:t>
+              </a:r>
+              <a:endParaRPr lang="ko-KR" altLang="en-US" sz="1200" dirty="0">
+                <a:solidFill>
+                  <a:srgbClr val="0070C0"/>
+                </a:solidFill>
+              </a:endParaRPr>
+            </a:p>
+          </p:txBody>
+        </p:sp>
+        <p:sp>
+          <p:nvSpPr>
+            <p:cNvPr id="86" name="TextBox 85"/>
+            <p:cNvSpPr txBox="1"/>
+            <p:nvPr/>
+          </p:nvSpPr>
+          <p:spPr>
+            <a:xfrm>
+              <a:off x="2205887" y="1481430"/>
+              <a:ext cx="761285" cy="354704"/>
+            </a:xfrm>
+            <a:prstGeom prst="rect">
+              <a:avLst/>
+            </a:prstGeom>
+            <a:noFill/>
+          </p:spPr>
+          <p:txBody>
+            <a:bodyPr wrap="square" rtlCol="0">
+              <a:spAutoFit/>
+            </a:bodyPr>
+            <a:lstStyle/>
+            <a:p>
+              <a:r>
+                <a:rPr lang="en-US" altLang="ko-KR" sz="1200" dirty="0" smtClean="0"/>
+                <a:t>(1,1)</a:t>
+              </a:r>
+              <a:endParaRPr lang="ko-KR" altLang="en-US" sz="1200" dirty="0"/>
+            </a:p>
+          </p:txBody>
+        </p:sp>
+        <p:sp>
+          <p:nvSpPr>
+            <p:cNvPr id="87" name="TextBox 86"/>
+            <p:cNvSpPr txBox="1"/>
+            <p:nvPr/>
+          </p:nvSpPr>
+          <p:spPr>
+            <a:xfrm>
+              <a:off x="3946553" y="1481430"/>
+              <a:ext cx="761285" cy="354704"/>
+            </a:xfrm>
+            <a:prstGeom prst="rect">
+              <a:avLst/>
+            </a:prstGeom>
+            <a:noFill/>
+          </p:spPr>
+          <p:txBody>
+            <a:bodyPr wrap="square" rtlCol="0">
+              <a:spAutoFit/>
+            </a:bodyPr>
+            <a:lstStyle/>
+            <a:p>
+              <a:r>
+                <a:rPr lang="en-US" altLang="ko-KR" sz="1200" dirty="0" smtClean="0"/>
+                <a:t>(0,*)</a:t>
+              </a:r>
+              <a:endParaRPr lang="ko-KR" altLang="en-US" sz="1200" dirty="0"/>
+            </a:p>
+          </p:txBody>
+        </p:sp>
+        <p:sp>
+          <p:nvSpPr>
+            <p:cNvPr id="88" name="TextBox 87"/>
+            <p:cNvSpPr txBox="1"/>
+            <p:nvPr/>
+          </p:nvSpPr>
+          <p:spPr>
+            <a:xfrm>
+              <a:off x="2518912" y="1850762"/>
+              <a:ext cx="761285" cy="354704"/>
+            </a:xfrm>
+            <a:prstGeom prst="rect">
+              <a:avLst/>
+            </a:prstGeom>
+            <a:noFill/>
+          </p:spPr>
+          <p:txBody>
+            <a:bodyPr wrap="square" rtlCol="0">
+              <a:spAutoFit/>
+            </a:bodyPr>
+            <a:lstStyle/>
+            <a:p>
+              <a:r>
+                <a:rPr lang="en-US" altLang="ko-KR" sz="1200" dirty="0" smtClean="0">
+                  <a:solidFill>
+                    <a:srgbClr val="0070C0"/>
+                  </a:solidFill>
+                </a:rPr>
+                <a:t>(1,1)</a:t>
+              </a:r>
+              <a:endParaRPr lang="ko-KR" altLang="en-US" sz="1200" dirty="0">
+                <a:solidFill>
+                  <a:srgbClr val="0070C0"/>
+                </a:solidFill>
+              </a:endParaRPr>
+            </a:p>
+          </p:txBody>
+        </p:sp>
+        <p:sp>
+          <p:nvSpPr>
+            <p:cNvPr id="89" name="TextBox 88"/>
+            <p:cNvSpPr txBox="1"/>
+            <p:nvPr/>
+          </p:nvSpPr>
+          <p:spPr>
+            <a:xfrm>
+              <a:off x="3280403" y="2634084"/>
+              <a:ext cx="840082" cy="354704"/>
+            </a:xfrm>
+            <a:prstGeom prst="rect">
+              <a:avLst/>
+            </a:prstGeom>
+            <a:noFill/>
+          </p:spPr>
+          <p:txBody>
+            <a:bodyPr wrap="square" rtlCol="0">
+              <a:spAutoFit/>
+            </a:bodyPr>
+            <a:lstStyle/>
+            <a:p>
+              <a:r>
+                <a:rPr lang="en-US" altLang="ko-KR" sz="1200" dirty="0" smtClean="0">
+                  <a:solidFill>
+                    <a:srgbClr val="0070C0"/>
+                  </a:solidFill>
+                </a:rPr>
+                <a:t>(0,*)</a:t>
+              </a:r>
+              <a:endParaRPr lang="ko-KR" altLang="en-US" sz="1200" dirty="0">
+                <a:solidFill>
+                  <a:srgbClr val="0070C0"/>
+                </a:solidFill>
+              </a:endParaRPr>
+            </a:p>
+          </p:txBody>
+        </p:sp>
+      </p:grpSp>
+      <p:sp>
+        <p:nvSpPr>
+          <p:cNvPr id="3" name="TextBox 2"/>
+          <p:cNvSpPr txBox="1"/>
+          <p:nvPr/>
+        </p:nvSpPr>
+        <p:spPr>
+          <a:xfrm>
+            <a:off x="2813961" y="181352"/>
+            <a:ext cx="6006512" cy="2354491"/>
+          </a:xfrm>
+          <a:prstGeom prst="rect">
+            <a:avLst/>
+          </a:prstGeom>
+        </p:spPr>
+        <p:style>
+          <a:lnRef idx="2">
+            <a:schemeClr val="accent2"/>
+          </a:lnRef>
+          <a:fillRef idx="1">
+            <a:schemeClr val="lt1"/>
+          </a:fillRef>
+          <a:effectRef idx="0">
+            <a:schemeClr val="accent2"/>
+          </a:effectRef>
+          <a:fontRef idx="minor">
+            <a:schemeClr val="dk1"/>
+          </a:fontRef>
+        </p:style>
+        <p:txBody>
+          <a:bodyPr wrap="square" rtlCol="0">
+            <a:spAutoFit/>
+          </a:bodyPr>
+          <a:lstStyle/>
+          <a:p>
+            <a:pPr>
+              <a:lnSpc>
+                <a:spcPct val="150000"/>
+              </a:lnSpc>
+            </a:pPr>
+            <a:r>
+              <a:rPr lang="ko-KR" altLang="en-US" sz="1400" b="1" dirty="0" smtClean="0"/>
+              <a:t>영화</a:t>
+            </a:r>
+            <a:r>
+              <a:rPr lang="en-US" altLang="ko-KR" sz="1400" dirty="0" smtClean="0"/>
+              <a:t>(</a:t>
+            </a:r>
+            <a:r>
+              <a:rPr lang="ko-KR" altLang="en-US" sz="1400" u="sng" dirty="0" smtClean="0"/>
+              <a:t>영화코드</a:t>
+            </a:r>
+            <a:r>
+              <a:rPr lang="en-US" altLang="ko-KR" sz="1400" dirty="0" smtClean="0"/>
+              <a:t>, </a:t>
+            </a:r>
+            <a:r>
+              <a:rPr lang="ko-KR" altLang="en-US" sz="1400" dirty="0" smtClean="0"/>
+              <a:t>제목</a:t>
+            </a:r>
+            <a:r>
+              <a:rPr lang="en-US" altLang="ko-KR" sz="1400" dirty="0" smtClean="0"/>
+              <a:t>)</a:t>
+            </a:r>
+          </a:p>
+          <a:p>
+            <a:pPr>
+              <a:lnSpc>
+                <a:spcPct val="150000"/>
+              </a:lnSpc>
+            </a:pPr>
+            <a:r>
+              <a:rPr lang="ko-KR" altLang="en-US" sz="1400" b="1" dirty="0" smtClean="0">
+                <a:solidFill>
+                  <a:srgbClr val="0070C0"/>
+                </a:solidFill>
+              </a:rPr>
+              <a:t>출연</a:t>
+            </a:r>
+            <a:r>
+              <a:rPr lang="en-US" altLang="ko-KR" sz="1400" dirty="0" smtClean="0"/>
+              <a:t>(</a:t>
+            </a:r>
+            <a:r>
+              <a:rPr lang="ko-KR" altLang="en-US" sz="1400" u="sng" dirty="0" smtClean="0"/>
+              <a:t>출연코드</a:t>
+            </a:r>
+            <a:r>
+              <a:rPr lang="en-US" altLang="ko-KR" sz="1400" dirty="0" smtClean="0"/>
+              <a:t>, </a:t>
+            </a:r>
+            <a:r>
+              <a:rPr lang="ko-KR" altLang="en-US" sz="1400" dirty="0" smtClean="0"/>
+              <a:t>영화코드</a:t>
+            </a:r>
+            <a:r>
+              <a:rPr lang="en-US" altLang="ko-KR" sz="1400" dirty="0" smtClean="0"/>
+              <a:t>(FK), </a:t>
+            </a:r>
+            <a:r>
+              <a:rPr lang="ko-KR" altLang="en-US" sz="1400" dirty="0" smtClean="0"/>
+              <a:t>배우코드</a:t>
+            </a:r>
+            <a:r>
+              <a:rPr lang="en-US" altLang="ko-KR" sz="1400" dirty="0" smtClean="0"/>
+              <a:t>(FK),..)</a:t>
+            </a:r>
+          </a:p>
+          <a:p>
+            <a:pPr>
+              <a:lnSpc>
+                <a:spcPct val="150000"/>
+              </a:lnSpc>
+            </a:pPr>
+            <a:r>
+              <a:rPr lang="ko-KR" altLang="en-US" sz="1400" b="1" dirty="0" smtClean="0"/>
+              <a:t>배우</a:t>
+            </a:r>
+            <a:r>
+              <a:rPr lang="en-US" altLang="ko-KR" sz="1400" dirty="0" smtClean="0"/>
+              <a:t>(</a:t>
+            </a:r>
+            <a:r>
+              <a:rPr lang="ko-KR" altLang="en-US" sz="1400" u="sng" dirty="0" smtClean="0"/>
+              <a:t>배우코드</a:t>
+            </a:r>
+            <a:r>
+              <a:rPr lang="en-US" altLang="ko-KR" sz="1400" dirty="0" smtClean="0"/>
+              <a:t>, </a:t>
+            </a:r>
+            <a:r>
+              <a:rPr lang="ko-KR" altLang="en-US" sz="1400" dirty="0" smtClean="0"/>
+              <a:t>이름</a:t>
+            </a:r>
+            <a:r>
+              <a:rPr lang="en-US" altLang="ko-KR" sz="1400" dirty="0" smtClean="0"/>
+              <a:t>, </a:t>
+            </a:r>
+            <a:r>
+              <a:rPr lang="ko-KR" altLang="en-US" sz="1400" dirty="0" smtClean="0"/>
+              <a:t>국적</a:t>
+            </a:r>
+            <a:r>
+              <a:rPr lang="en-US" altLang="ko-KR" sz="1400" dirty="0" smtClean="0"/>
+              <a:t>)</a:t>
+            </a:r>
+          </a:p>
+          <a:p>
+            <a:pPr>
+              <a:lnSpc>
+                <a:spcPct val="150000"/>
+              </a:lnSpc>
+            </a:pPr>
+            <a:r>
+              <a:rPr lang="ko-KR" altLang="en-US" sz="1400" b="1" dirty="0" err="1" smtClean="0"/>
+              <a:t>컨텐츠</a:t>
+            </a:r>
+            <a:r>
+              <a:rPr lang="en-US" altLang="ko-KR" sz="1400" dirty="0" smtClean="0"/>
+              <a:t>(</a:t>
+            </a:r>
+            <a:r>
+              <a:rPr lang="ko-KR" altLang="en-US" sz="1400" u="sng" dirty="0" smtClean="0"/>
+              <a:t>영화코드</a:t>
+            </a:r>
+            <a:r>
+              <a:rPr lang="en-US" altLang="ko-KR" sz="1400" u="sng" dirty="0" smtClean="0"/>
+              <a:t>(FK)</a:t>
+            </a:r>
+            <a:r>
+              <a:rPr lang="en-US" altLang="ko-KR" sz="1400" dirty="0" smtClean="0"/>
+              <a:t>, </a:t>
+            </a:r>
+            <a:r>
+              <a:rPr lang="ko-KR" altLang="en-US" sz="1400" u="sng" dirty="0" err="1" smtClean="0"/>
+              <a:t>컨텐츠이름</a:t>
+            </a:r>
+            <a:r>
+              <a:rPr lang="en-US" altLang="ko-KR" sz="1400" dirty="0" smtClean="0"/>
+              <a:t>, </a:t>
+            </a:r>
+            <a:r>
+              <a:rPr lang="ko-KR" altLang="en-US" sz="1400" dirty="0" smtClean="0"/>
+              <a:t>타입</a:t>
+            </a:r>
+            <a:r>
+              <a:rPr lang="en-US" altLang="ko-KR" sz="1400" dirty="0" smtClean="0"/>
+              <a:t>, </a:t>
+            </a:r>
+            <a:r>
+              <a:rPr lang="ko-KR" altLang="en-US" sz="1400" dirty="0" smtClean="0"/>
+              <a:t>파일 경로</a:t>
+            </a:r>
+            <a:r>
+              <a:rPr lang="en-US" altLang="ko-KR" sz="1400" u="sng" dirty="0" smtClean="0"/>
+              <a:t>)</a:t>
+            </a:r>
+          </a:p>
+          <a:p>
+            <a:pPr>
+              <a:lnSpc>
+                <a:spcPct val="150000"/>
+              </a:lnSpc>
+            </a:pPr>
+            <a:r>
+              <a:rPr lang="ko-KR" altLang="en-US" sz="1400" b="1" dirty="0" smtClean="0">
+                <a:solidFill>
+                  <a:srgbClr val="0070C0"/>
+                </a:solidFill>
+              </a:rPr>
+              <a:t>평가</a:t>
+            </a:r>
+            <a:r>
+              <a:rPr lang="en-US" altLang="ko-KR" sz="1400" dirty="0" smtClean="0"/>
+              <a:t>(</a:t>
+            </a:r>
+            <a:r>
+              <a:rPr lang="ko-KR" altLang="en-US" sz="1400" u="sng" dirty="0" smtClean="0"/>
+              <a:t>평가</a:t>
+            </a:r>
+            <a:r>
+              <a:rPr lang="en-US" altLang="ko-KR" sz="1400" u="sng" dirty="0" smtClean="0"/>
+              <a:t> </a:t>
+            </a:r>
+            <a:r>
+              <a:rPr lang="ko-KR" altLang="en-US" sz="1400" u="sng" dirty="0" smtClean="0"/>
+              <a:t>코드</a:t>
+            </a:r>
+            <a:r>
+              <a:rPr lang="en-US" altLang="ko-KR" sz="1400" dirty="0" smtClean="0"/>
+              <a:t>, </a:t>
+            </a:r>
+            <a:r>
+              <a:rPr lang="ko-KR" altLang="en-US" sz="1400" dirty="0" smtClean="0"/>
+              <a:t>영화코드</a:t>
+            </a:r>
+            <a:r>
+              <a:rPr lang="en-US" altLang="ko-KR" sz="1400" dirty="0" smtClean="0"/>
+              <a:t>(FK), </a:t>
+            </a:r>
+            <a:r>
+              <a:rPr lang="ko-KR" altLang="en-US" sz="1400" dirty="0" smtClean="0"/>
+              <a:t>회원아이디</a:t>
+            </a:r>
+            <a:r>
+              <a:rPr lang="en-US" altLang="ko-KR" sz="1400" dirty="0"/>
+              <a:t>(FK)</a:t>
+            </a:r>
+            <a:r>
+              <a:rPr lang="en-US" altLang="ko-KR" sz="1400" dirty="0" smtClean="0"/>
+              <a:t>, </a:t>
+            </a:r>
+            <a:r>
+              <a:rPr lang="ko-KR" altLang="en-US" sz="1400" dirty="0" smtClean="0"/>
+              <a:t>리뷰코드</a:t>
+            </a:r>
+            <a:r>
+              <a:rPr lang="en-US" altLang="ko-KR" sz="1400" dirty="0"/>
+              <a:t>(FK)</a:t>
+            </a:r>
+            <a:r>
+              <a:rPr lang="en-US" altLang="ko-KR" sz="1400" dirty="0" smtClean="0"/>
+              <a:t>, </a:t>
+            </a:r>
+            <a:r>
+              <a:rPr lang="ko-KR" altLang="en-US" sz="1400" dirty="0" smtClean="0"/>
+              <a:t>작성시간</a:t>
+            </a:r>
+            <a:r>
+              <a:rPr lang="en-US" altLang="ko-KR" sz="1400" dirty="0" smtClean="0"/>
+              <a:t>)</a:t>
+            </a:r>
+          </a:p>
+          <a:p>
+            <a:pPr>
+              <a:lnSpc>
+                <a:spcPct val="150000"/>
+              </a:lnSpc>
+            </a:pPr>
+            <a:r>
+              <a:rPr lang="ko-KR" altLang="en-US" sz="1400" b="1" dirty="0" smtClean="0"/>
+              <a:t>회원</a:t>
+            </a:r>
+            <a:r>
+              <a:rPr lang="en-US" altLang="ko-KR" sz="1400" dirty="0" smtClean="0"/>
+              <a:t>(</a:t>
+            </a:r>
+            <a:r>
+              <a:rPr lang="ko-KR" altLang="en-US" sz="1400" dirty="0" smtClean="0"/>
+              <a:t>회원</a:t>
+            </a:r>
+            <a:r>
+              <a:rPr lang="ko-KR" altLang="en-US" sz="1400" u="sng" dirty="0" smtClean="0"/>
+              <a:t>아이디</a:t>
+            </a:r>
+            <a:r>
+              <a:rPr lang="en-US" altLang="ko-KR" sz="1400" dirty="0" smtClean="0"/>
+              <a:t>, </a:t>
+            </a:r>
+            <a:r>
+              <a:rPr lang="ko-KR" altLang="en-US" sz="1400" dirty="0" smtClean="0"/>
+              <a:t>이름</a:t>
+            </a:r>
+            <a:r>
+              <a:rPr lang="en-US" altLang="ko-KR" sz="1400" dirty="0" smtClean="0"/>
+              <a:t>, </a:t>
+            </a:r>
+            <a:r>
+              <a:rPr lang="ko-KR" altLang="en-US" sz="1400" dirty="0" smtClean="0"/>
+              <a:t>닉네임</a:t>
+            </a:r>
+            <a:r>
+              <a:rPr lang="en-US" altLang="ko-KR" sz="1400" dirty="0" smtClean="0"/>
+              <a:t>, </a:t>
+            </a:r>
+            <a:r>
+              <a:rPr lang="ko-KR" altLang="en-US" sz="1400" dirty="0" err="1" smtClean="0"/>
+              <a:t>이메일</a:t>
+            </a:r>
+            <a:r>
+              <a:rPr lang="en-US" altLang="ko-KR" sz="1400" dirty="0" smtClean="0"/>
+              <a:t>)</a:t>
+            </a:r>
+          </a:p>
+          <a:p>
+            <a:pPr>
+              <a:lnSpc>
+                <a:spcPct val="150000"/>
+              </a:lnSpc>
+            </a:pPr>
+            <a:r>
+              <a:rPr lang="ko-KR" altLang="en-US" sz="1400" b="1" dirty="0" smtClean="0"/>
+              <a:t>리뷰</a:t>
+            </a:r>
+            <a:r>
+              <a:rPr lang="en-US" altLang="ko-KR" sz="1400" dirty="0" smtClean="0"/>
+              <a:t>(</a:t>
+            </a:r>
+            <a:r>
+              <a:rPr lang="ko-KR" altLang="en-US" sz="1400" u="sng" dirty="0" smtClean="0"/>
+              <a:t>리뷰코드</a:t>
+            </a:r>
+            <a:r>
+              <a:rPr lang="en-US" altLang="ko-KR" sz="1400" dirty="0" smtClean="0"/>
+              <a:t>, </a:t>
+            </a:r>
+            <a:r>
+              <a:rPr lang="ko-KR" altLang="en-US" sz="1400" dirty="0" smtClean="0"/>
+              <a:t>평가점수</a:t>
+            </a:r>
+            <a:r>
+              <a:rPr lang="en-US" altLang="ko-KR" sz="1400" dirty="0" smtClean="0"/>
+              <a:t>, </a:t>
+            </a:r>
+            <a:r>
+              <a:rPr lang="ko-KR" altLang="en-US" sz="1400" dirty="0" smtClean="0"/>
+              <a:t>평가내용</a:t>
+            </a:r>
+            <a:r>
+              <a:rPr lang="en-US" altLang="ko-KR" sz="1400" dirty="0" smtClean="0"/>
+              <a:t>)</a:t>
+            </a:r>
+            <a:endParaRPr lang="ko-KR" altLang="en-US" sz="1400" dirty="0"/>
+          </a:p>
+        </p:txBody>
+      </p:sp>
+    </p:spTree>
+    <p:extLst>
+      <p:ext uri="{BB962C8B-B14F-4D97-AF65-F5344CB8AC3E}">
+        <p14:creationId xmlns:p14="http://schemas.microsoft.com/office/powerpoint/2010/main" val="3118914843"/>
       </p:ext>
     </p:extLst>
   </p:cSld>
